--- a/Agile.net/Artilium.pptx
+++ b/Agile.net/Artilium.pptx
@@ -303,7 +303,7 @@
             <a:fld id="{5AB54E97-EA14-4D6D-B65E-B97DF81584A8}" type="datetimeFigureOut">
               <a:rPr lang="en-US" smtClean="0"/>
               <a:pPr/>
-              <a:t>11/16/2008</a:t>
+              <a:t>11/17/2008</a:t>
             </a:fld>
             <a:endParaRPr lang="en-US"/>
           </a:p>
@@ -473,7 +473,7 @@
             <a:fld id="{5AB54E97-EA14-4D6D-B65E-B97DF81584A8}" type="datetimeFigureOut">
               <a:rPr lang="en-US" smtClean="0"/>
               <a:pPr/>
-              <a:t>11/16/2008</a:t>
+              <a:t>11/17/2008</a:t>
             </a:fld>
             <a:endParaRPr lang="en-US"/>
           </a:p>
@@ -653,7 +653,7 @@
             <a:fld id="{5AB54E97-EA14-4D6D-B65E-B97DF81584A8}" type="datetimeFigureOut">
               <a:rPr lang="en-US" smtClean="0"/>
               <a:pPr/>
-              <a:t>11/16/2008</a:t>
+              <a:t>11/17/2008</a:t>
             </a:fld>
             <a:endParaRPr lang="en-US"/>
           </a:p>
@@ -848,7 +848,7 @@
             <a:fld id="{5AB54E97-EA14-4D6D-B65E-B97DF81584A8}" type="datetimeFigureOut">
               <a:rPr lang="en-US" smtClean="0"/>
               <a:pPr/>
-              <a:t>11/16/2008</a:t>
+              <a:t>11/17/2008</a:t>
             </a:fld>
             <a:endParaRPr lang="en-US"/>
           </a:p>
@@ -1173,7 +1173,7 @@
             <a:fld id="{5AB54E97-EA14-4D6D-B65E-B97DF81584A8}" type="datetimeFigureOut">
               <a:rPr lang="en-US" smtClean="0"/>
               <a:pPr/>
-              <a:t>11/16/2008</a:t>
+              <a:t>11/17/2008</a:t>
             </a:fld>
             <a:endParaRPr lang="en-US"/>
           </a:p>
@@ -1453,7 +1453,7 @@
             <a:fld id="{5AB54E97-EA14-4D6D-B65E-B97DF81584A8}" type="datetimeFigureOut">
               <a:rPr lang="en-US" smtClean="0"/>
               <a:pPr/>
-              <a:t>11/16/2008</a:t>
+              <a:t>11/17/2008</a:t>
             </a:fld>
             <a:endParaRPr lang="en-US"/>
           </a:p>
@@ -1933,7 +1933,7 @@
             <a:fld id="{5AB54E97-EA14-4D6D-B65E-B97DF81584A8}" type="datetimeFigureOut">
               <a:rPr lang="en-US" smtClean="0"/>
               <a:pPr/>
-              <a:t>11/16/2008</a:t>
+              <a:t>11/17/2008</a:t>
             </a:fld>
             <a:endParaRPr lang="en-US"/>
           </a:p>
@@ -2434,7 +2434,7 @@
             <a:fld id="{5AB54E97-EA14-4D6D-B65E-B97DF81584A8}" type="datetimeFigureOut">
               <a:rPr lang="en-US" smtClean="0"/>
               <a:pPr/>
-              <a:t>11/16/2008</a:t>
+              <a:t>11/17/2008</a:t>
             </a:fld>
             <a:endParaRPr lang="en-US"/>
           </a:p>
@@ -2572,7 +2572,7 @@
             <a:fld id="{5AB54E97-EA14-4D6D-B65E-B97DF81584A8}" type="datetimeFigureOut">
               <a:rPr lang="en-US" smtClean="0"/>
               <a:pPr/>
-              <a:t>11/16/2008</a:t>
+              <a:t>11/17/2008</a:t>
             </a:fld>
             <a:endParaRPr lang="en-US"/>
           </a:p>
@@ -2728,7 +2728,7 @@
             <a:fld id="{5AB54E97-EA14-4D6D-B65E-B97DF81584A8}" type="datetimeFigureOut">
               <a:rPr lang="en-US" smtClean="0"/>
               <a:pPr/>
-              <a:t>11/16/2008</a:t>
+              <a:t>11/17/2008</a:t>
             </a:fld>
             <a:endParaRPr lang="en-US"/>
           </a:p>
@@ -3062,7 +3062,7 @@
             <a:fld id="{5AB54E97-EA14-4D6D-B65E-B97DF81584A8}" type="datetimeFigureOut">
               <a:rPr lang="en-US" smtClean="0"/>
               <a:pPr/>
-              <a:t>11/16/2008</a:t>
+              <a:t>11/17/2008</a:t>
             </a:fld>
             <a:endParaRPr lang="en-US"/>
           </a:p>
@@ -3243,7 +3243,7 @@
             <a:fld id="{5AB54E97-EA14-4D6D-B65E-B97DF81584A8}" type="datetimeFigureOut">
               <a:rPr lang="en-US" smtClean="0"/>
               <a:pPr/>
-              <a:t>11/16/2008</a:t>
+              <a:t>11/17/2008</a:t>
             </a:fld>
             <a:endParaRPr lang="en-US"/>
           </a:p>
@@ -3378,7 +3378,7 @@
             <a:fld id="{5AB54E97-EA14-4D6D-B65E-B97DF81584A8}" type="datetimeFigureOut">
               <a:rPr lang="en-US" smtClean="0"/>
               <a:pPr/>
-              <a:t>11/16/2008</a:t>
+              <a:t>11/17/2008</a:t>
             </a:fld>
             <a:endParaRPr lang="en-US"/>
           </a:p>
@@ -3867,7 +3867,7 @@
             <a:fld id="{5AB54E97-EA14-4D6D-B65E-B97DF81584A8}" type="datetimeFigureOut">
               <a:rPr lang="en-US" smtClean="0"/>
               <a:pPr/>
-              <a:t>11/16/2008</a:t>
+              <a:t>11/17/2008</a:t>
             </a:fld>
             <a:endParaRPr lang="en-US"/>
           </a:p>
@@ -4064,7 +4064,7 @@
             <a:fld id="{5AB54E97-EA14-4D6D-B65E-B97DF81584A8}" type="datetimeFigureOut">
               <a:rPr lang="en-US" smtClean="0"/>
               <a:pPr/>
-              <a:t>11/16/2008</a:t>
+              <a:t>11/17/2008</a:t>
             </a:fld>
             <a:endParaRPr lang="en-US"/>
           </a:p>
@@ -4321,7 +4321,7 @@
             <a:fld id="{5AB54E97-EA14-4D6D-B65E-B97DF81584A8}" type="datetimeFigureOut">
               <a:rPr lang="en-US" smtClean="0"/>
               <a:pPr/>
-              <a:t>11/16/2008</a:t>
+              <a:t>11/17/2008</a:t>
             </a:fld>
             <a:endParaRPr lang="en-US"/>
           </a:p>
@@ -4609,7 +4609,7 @@
             <a:fld id="{5AB54E97-EA14-4D6D-B65E-B97DF81584A8}" type="datetimeFigureOut">
               <a:rPr lang="en-US" smtClean="0"/>
               <a:pPr/>
-              <a:t>11/16/2008</a:t>
+              <a:t>11/17/2008</a:t>
             </a:fld>
             <a:endParaRPr lang="en-US"/>
           </a:p>
@@ -5031,7 +5031,7 @@
             <a:fld id="{5AB54E97-EA14-4D6D-B65E-B97DF81584A8}" type="datetimeFigureOut">
               <a:rPr lang="en-US" smtClean="0"/>
               <a:pPr/>
-              <a:t>11/16/2008</a:t>
+              <a:t>11/17/2008</a:t>
             </a:fld>
             <a:endParaRPr lang="en-US"/>
           </a:p>
@@ -5149,7 +5149,7 @@
             <a:fld id="{5AB54E97-EA14-4D6D-B65E-B97DF81584A8}" type="datetimeFigureOut">
               <a:rPr lang="en-US" smtClean="0"/>
               <a:pPr/>
-              <a:t>11/16/2008</a:t>
+              <a:t>11/17/2008</a:t>
             </a:fld>
             <a:endParaRPr lang="en-US"/>
           </a:p>
@@ -5244,7 +5244,7 @@
             <a:fld id="{5AB54E97-EA14-4D6D-B65E-B97DF81584A8}" type="datetimeFigureOut">
               <a:rPr lang="en-US" smtClean="0"/>
               <a:pPr/>
-              <a:t>11/16/2008</a:t>
+              <a:t>11/17/2008</a:t>
             </a:fld>
             <a:endParaRPr lang="en-US"/>
           </a:p>
@@ -5521,7 +5521,7 @@
             <a:fld id="{5AB54E97-EA14-4D6D-B65E-B97DF81584A8}" type="datetimeFigureOut">
               <a:rPr lang="en-US" smtClean="0"/>
               <a:pPr/>
-              <a:t>11/16/2008</a:t>
+              <a:t>11/17/2008</a:t>
             </a:fld>
             <a:endParaRPr lang="en-US"/>
           </a:p>
@@ -5774,7 +5774,7 @@
             <a:fld id="{5AB54E97-EA14-4D6D-B65E-B97DF81584A8}" type="datetimeFigureOut">
               <a:rPr lang="en-US" smtClean="0"/>
               <a:pPr/>
-              <a:t>11/16/2008</a:t>
+              <a:t>11/17/2008</a:t>
             </a:fld>
             <a:endParaRPr lang="en-US"/>
           </a:p>
@@ -5987,7 +5987,7 @@
             <a:fld id="{5AB54E97-EA14-4D6D-B65E-B97DF81584A8}" type="datetimeFigureOut">
               <a:rPr lang="en-US" smtClean="0"/>
               <a:pPr/>
-              <a:t>11/16/2008</a:t>
+              <a:t>11/17/2008</a:t>
             </a:fld>
             <a:endParaRPr lang="en-US"/>
           </a:p>
@@ -6771,7 +6771,7 @@
             <a:fld id="{5AB54E97-EA14-4D6D-B65E-B97DF81584A8}" type="datetimeFigureOut">
               <a:rPr lang="en-US" smtClean="0"/>
               <a:pPr/>
-              <a:t>11/16/2008</a:t>
+              <a:t>11/17/2008</a:t>
             </a:fld>
             <a:endParaRPr lang="en-US"/>
           </a:p>
@@ -7667,7 +7667,7 @@
                                 </p:cTn>
                               </p:par>
                               <p:par>
-                                <p:cTn id="17" presetID="10" presetClass="entr" presetSubtype="0" fill="hold" grpId="0" nodeType="withEffect">
+                                <p:cTn id="17" presetID="10" presetClass="entr" presetSubtype="0" fill="hold" nodeType="withEffect">
                                   <p:stCondLst>
                                     <p:cond delay="0"/>
                                   </p:stCondLst>
@@ -7900,11 +7900,7 @@
             <a:pPr algn="ctr"/>
             <a:r>
               <a:rPr lang="nl-BE" sz="6000" dirty="0" smtClean="0"/>
-              <a:t>Retrospectives </a:t>
-            </a:r>
-            <a:r>
-              <a:rPr lang="nl-BE" sz="6000" dirty="0" smtClean="0"/>
-              <a:t>rulez !</a:t>
+              <a:t>Retrospectives rulez !</a:t>
             </a:r>
             <a:endParaRPr lang="en-US" sz="6000" dirty="0">
               <a:solidFill>
@@ -8515,7 +8511,6 @@
               <a:rPr lang="nl-BE" dirty="0" smtClean="0"/>
               <a:t>is kept in the team</a:t>
             </a:r>
-            <a:endParaRPr lang="nl-BE" dirty="0" smtClean="0"/>
           </a:p>
           <a:p>
             <a:r>
@@ -8527,11 +8522,7 @@
             <a:pPr lvl="1"/>
             <a:r>
               <a:rPr lang="nl-BE" dirty="0" smtClean="0"/>
-              <a:t>How </a:t>
-            </a:r>
-            <a:r>
-              <a:rPr lang="nl-BE" dirty="0" smtClean="0"/>
-              <a:t>coaches became team members</a:t>
+              <a:t>How coaches became team members</a:t>
             </a:r>
             <a:endParaRPr lang="en-US" dirty="0"/>
           </a:p>
@@ -8979,13 +8970,8 @@
           <a:p>
             <a:r>
               <a:rPr lang="nl-BE" dirty="0" smtClean="0"/>
-              <a:t>From no build to full </a:t>
-            </a:r>
-            <a:r>
-              <a:rPr lang="nl-BE" dirty="0" smtClean="0"/>
-              <a:t>build</a:t>
-            </a:r>
-            <a:endParaRPr lang="nl-BE" dirty="0" smtClean="0"/>
+              <a:t>From no build to full build</a:t>
+            </a:r>
           </a:p>
         </p:txBody>
       </p:sp>
@@ -10330,7 +10316,7 @@
                                           </p:stCondLst>
                                         </p:cTn>
                                         <p:tgtEl>
-                                          <p:spTgt spid="28"/>
+                                          <p:spTgt spid="26"/>
                                         </p:tgtEl>
                                         <p:attrNameLst>
                                           <p:attrName>style.visibility</p:attrName>
@@ -10344,7 +10330,7 @@
                                       <p:cBhvr>
                                         <p:cTn id="44" dur="500"/>
                                         <p:tgtEl>
-                                          <p:spTgt spid="28"/>
+                                          <p:spTgt spid="26"/>
                                         </p:tgtEl>
                                       </p:cBhvr>
                                     </p:animEffect>
@@ -10365,7 +10351,7 @@
                                           </p:stCondLst>
                                         </p:cTn>
                                         <p:tgtEl>
-                                          <p:spTgt spid="15"/>
+                                          <p:spTgt spid="14"/>
                                         </p:tgtEl>
                                         <p:attrNameLst>
                                           <p:attrName>style.visibility</p:attrName>
@@ -10379,7 +10365,7 @@
                                       <p:cBhvr>
                                         <p:cTn id="47" dur="500"/>
                                         <p:tgtEl>
-                                          <p:spTgt spid="15"/>
+                                          <p:spTgt spid="14"/>
                                         </p:tgtEl>
                                       </p:cBhvr>
                                     </p:animEffect>
@@ -10409,7 +10395,7 @@
                                           </p:stCondLst>
                                         </p:cTn>
                                         <p:tgtEl>
-                                          <p:spTgt spid="26"/>
+                                          <p:spTgt spid="32"/>
                                         </p:tgtEl>
                                         <p:attrNameLst>
                                           <p:attrName>style.visibility</p:attrName>
@@ -10423,7 +10409,7 @@
                                       <p:cBhvr>
                                         <p:cTn id="51" dur="500"/>
                                         <p:tgtEl>
-                                          <p:spTgt spid="26"/>
+                                          <p:spTgt spid="32"/>
                                         </p:tgtEl>
                                       </p:cBhvr>
                                     </p:animEffect>
@@ -10444,7 +10430,7 @@
                                           </p:stCondLst>
                                         </p:cTn>
                                         <p:tgtEl>
-                                          <p:spTgt spid="14"/>
+                                          <p:spTgt spid="16"/>
                                         </p:tgtEl>
                                         <p:attrNameLst>
                                           <p:attrName>style.visibility</p:attrName>
@@ -10458,7 +10444,7 @@
                                       <p:cBhvr>
                                         <p:cTn id="54" dur="500"/>
                                         <p:tgtEl>
-                                          <p:spTgt spid="14"/>
+                                          <p:spTgt spid="16"/>
                                         </p:tgtEl>
                                       </p:cBhvr>
                                     </p:animEffect>
@@ -10488,7 +10474,7 @@
                                           </p:stCondLst>
                                         </p:cTn>
                                         <p:tgtEl>
-                                          <p:spTgt spid="32"/>
+                                          <p:spTgt spid="28"/>
                                         </p:tgtEl>
                                         <p:attrNameLst>
                                           <p:attrName>style.visibility</p:attrName>
@@ -10502,7 +10488,7 @@
                                       <p:cBhvr>
                                         <p:cTn id="58" dur="500"/>
                                         <p:tgtEl>
-                                          <p:spTgt spid="32"/>
+                                          <p:spTgt spid="28"/>
                                         </p:tgtEl>
                                       </p:cBhvr>
                                     </p:animEffect>
@@ -10523,7 +10509,7 @@
                                           </p:stCondLst>
                                         </p:cTn>
                                         <p:tgtEl>
-                                          <p:spTgt spid="16"/>
+                                          <p:spTgt spid="15"/>
                                         </p:tgtEl>
                                         <p:attrNameLst>
                                           <p:attrName>style.visibility</p:attrName>
@@ -10537,7 +10523,7 @@
                                       <p:cBhvr>
                                         <p:cTn id="61" dur="500"/>
                                         <p:tgtEl>
-                                          <p:spTgt spid="16"/>
+                                          <p:spTgt spid="15"/>
                                         </p:tgtEl>
                                       </p:cBhvr>
                                     </p:animEffect>
@@ -10887,13 +10873,8 @@
           <a:p>
             <a:r>
               <a:rPr lang="nl-BE" dirty="0" smtClean="0"/>
-              <a:t>From BDUF to incremental </a:t>
-            </a:r>
-            <a:r>
-              <a:rPr lang="nl-BE" dirty="0" smtClean="0"/>
-              <a:t>design</a:t>
-            </a:r>
-            <a:endParaRPr lang="nl-BE" dirty="0" smtClean="0"/>
+              <a:t>From BDUF to incremental design</a:t>
+            </a:r>
           </a:p>
         </p:txBody>
       </p:sp>
@@ -11162,13 +11143,8 @@
           <a:p>
             <a:r>
               <a:rPr lang="nl-BE" dirty="0" smtClean="0"/>
-              <a:t>Adding tasks to the scrum </a:t>
-            </a:r>
-            <a:r>
-              <a:rPr lang="nl-BE" dirty="0" smtClean="0"/>
-              <a:t>board</a:t>
-            </a:r>
-            <a:endParaRPr lang="nl-BE" dirty="0" smtClean="0"/>
+              <a:t>Adding tasks to the scrum board</a:t>
+            </a:r>
           </a:p>
         </p:txBody>
       </p:sp>
@@ -11341,8 +11317,236 @@
             <a:off x="1742618" y="1447800"/>
             <a:ext cx="6884314" cy="4800600"/>
           </a:xfrm>
+          <a:ln>
+            <a:solidFill>
+              <a:schemeClr val="bg1">
+                <a:lumMod val="95000"/>
+              </a:schemeClr>
+            </a:solidFill>
+          </a:ln>
         </p:spPr>
       </p:pic>
+      <p:sp>
+        <p:nvSpPr>
+          <p:cNvPr id="5" name="Rectangle 4"/>
+          <p:cNvSpPr/>
+          <p:nvPr/>
+        </p:nvSpPr>
+        <p:spPr>
+          <a:xfrm rot="21405476">
+            <a:off x="1857356" y="4214818"/>
+            <a:ext cx="857256" cy="571504"/>
+          </a:xfrm>
+          <a:prstGeom prst="rect">
+            <a:avLst/>
+          </a:prstGeom>
+          <a:solidFill>
+            <a:schemeClr val="bg1">
+              <a:lumMod val="85000"/>
+            </a:schemeClr>
+          </a:solidFill>
+          <a:ln>
+            <a:solidFill>
+              <a:schemeClr val="bg1">
+                <a:lumMod val="75000"/>
+              </a:schemeClr>
+            </a:solidFill>
+          </a:ln>
+        </p:spPr>
+        <p:style>
+          <a:lnRef idx="2">
+            <a:schemeClr val="accent1">
+              <a:shade val="50000"/>
+            </a:schemeClr>
+          </a:lnRef>
+          <a:fillRef idx="1">
+            <a:schemeClr val="accent1"/>
+          </a:fillRef>
+          <a:effectRef idx="0">
+            <a:schemeClr val="accent1"/>
+          </a:effectRef>
+          <a:fontRef idx="minor">
+            <a:schemeClr val="lt1"/>
+          </a:fontRef>
+        </p:style>
+        <p:txBody>
+          <a:bodyPr rtlCol="0" anchor="ctr"/>
+          <a:lstStyle/>
+          <a:p>
+            <a:pPr algn="ctr"/>
+            <a:r>
+              <a:rPr lang="nl-BE" dirty="0" smtClean="0">
+                <a:solidFill>
+                  <a:schemeClr val="tx1"/>
+                </a:solidFill>
+              </a:rPr>
+              <a:t>Story</a:t>
+            </a:r>
+          </a:p>
+        </p:txBody>
+      </p:sp>
+      <p:sp>
+        <p:nvSpPr>
+          <p:cNvPr id="8" name="Rectangle 7"/>
+          <p:cNvSpPr/>
+          <p:nvPr/>
+        </p:nvSpPr>
+        <p:spPr>
+          <a:xfrm rot="21242116">
+            <a:off x="3314732" y="4396909"/>
+            <a:ext cx="561980" cy="428628"/>
+          </a:xfrm>
+          <a:prstGeom prst="rect">
+            <a:avLst/>
+          </a:prstGeom>
+          <a:solidFill>
+            <a:srgbClr val="92D050"/>
+          </a:solidFill>
+          <a:ln>
+            <a:solidFill>
+              <a:schemeClr val="bg1">
+                <a:lumMod val="75000"/>
+              </a:schemeClr>
+            </a:solidFill>
+          </a:ln>
+        </p:spPr>
+        <p:style>
+          <a:lnRef idx="2">
+            <a:schemeClr val="accent1">
+              <a:shade val="50000"/>
+            </a:schemeClr>
+          </a:lnRef>
+          <a:fillRef idx="1">
+            <a:schemeClr val="accent1"/>
+          </a:fillRef>
+          <a:effectRef idx="0">
+            <a:schemeClr val="accent1"/>
+          </a:effectRef>
+          <a:fontRef idx="minor">
+            <a:schemeClr val="lt1"/>
+          </a:fontRef>
+        </p:style>
+        <p:txBody>
+          <a:bodyPr rtlCol="0" anchor="ctr"/>
+          <a:lstStyle/>
+          <a:p>
+            <a:pPr algn="ctr"/>
+            <a:r>
+              <a:rPr lang="nl-BE" sz="1400" dirty="0" smtClean="0">
+                <a:solidFill>
+                  <a:schemeClr val="tx1"/>
+                </a:solidFill>
+              </a:rPr>
+              <a:t>Task</a:t>
+            </a:r>
+          </a:p>
+        </p:txBody>
+      </p:sp>
+      <p:sp>
+        <p:nvSpPr>
+          <p:cNvPr id="7" name="Rectangle 6"/>
+          <p:cNvSpPr/>
+          <p:nvPr/>
+        </p:nvSpPr>
+        <p:spPr>
+          <a:xfrm rot="195186">
+            <a:off x="2940635" y="4801921"/>
+            <a:ext cx="561980" cy="428628"/>
+          </a:xfrm>
+          <a:prstGeom prst="rect">
+            <a:avLst/>
+          </a:prstGeom>
+          <a:solidFill>
+            <a:srgbClr val="92D050"/>
+          </a:solidFill>
+          <a:ln>
+            <a:solidFill>
+              <a:schemeClr val="bg1">
+                <a:lumMod val="75000"/>
+              </a:schemeClr>
+            </a:solidFill>
+          </a:ln>
+        </p:spPr>
+        <p:style>
+          <a:lnRef idx="2">
+            <a:schemeClr val="accent1">
+              <a:shade val="50000"/>
+            </a:schemeClr>
+          </a:lnRef>
+          <a:fillRef idx="1">
+            <a:schemeClr val="accent1"/>
+          </a:fillRef>
+          <a:effectRef idx="0">
+            <a:schemeClr val="accent1"/>
+          </a:effectRef>
+          <a:fontRef idx="minor">
+            <a:schemeClr val="lt1"/>
+          </a:fontRef>
+        </p:style>
+        <p:txBody>
+          <a:bodyPr rtlCol="0" anchor="ctr"/>
+          <a:lstStyle/>
+          <a:p>
+            <a:pPr algn="ctr"/>
+            <a:r>
+              <a:rPr lang="nl-BE" sz="1400" dirty="0" smtClean="0">
+                <a:solidFill>
+                  <a:schemeClr val="tx1"/>
+                </a:solidFill>
+              </a:rPr>
+              <a:t>Task</a:t>
+            </a:r>
+          </a:p>
+        </p:txBody>
+      </p:sp>
+      <p:sp>
+        <p:nvSpPr>
+          <p:cNvPr id="9" name="Oval 8"/>
+          <p:cNvSpPr/>
+          <p:nvPr/>
+        </p:nvSpPr>
+        <p:spPr>
+          <a:xfrm>
+            <a:off x="4597719" y="4500570"/>
+            <a:ext cx="45719" cy="45719"/>
+          </a:xfrm>
+          <a:prstGeom prst="ellipse">
+            <a:avLst/>
+          </a:prstGeom>
+          <a:solidFill>
+            <a:srgbClr val="FF0000"/>
+          </a:solidFill>
+          <a:ln>
+            <a:solidFill>
+              <a:srgbClr val="FF0000"/>
+            </a:solidFill>
+          </a:ln>
+        </p:spPr>
+        <p:style>
+          <a:lnRef idx="2">
+            <a:schemeClr val="accent1">
+              <a:shade val="50000"/>
+            </a:schemeClr>
+          </a:lnRef>
+          <a:fillRef idx="1">
+            <a:schemeClr val="accent1"/>
+          </a:fillRef>
+          <a:effectRef idx="0">
+            <a:schemeClr val="accent1"/>
+          </a:effectRef>
+          <a:fontRef idx="minor">
+            <a:schemeClr val="lt1"/>
+          </a:fontRef>
+        </p:style>
+        <p:txBody>
+          <a:bodyPr rtlCol="0" anchor="ctr"/>
+          <a:lstStyle/>
+          <a:p>
+            <a:pPr algn="ctr"/>
+            <a:endParaRPr lang="en-US"/>
+          </a:p>
+        </p:txBody>
+      </p:sp>
     </p:spTree>
   </p:cSld>
   <p:clrMapOvr>
@@ -11354,9 +11558,474 @@
   <p:timing>
     <p:tnLst>
       <p:par>
-        <p:cTn id="1" dur="indefinite" restart="never" nodeType="tmRoot"/>
+        <p:cTn id="1" dur="indefinite" restart="never" nodeType="tmRoot">
+          <p:childTnLst>
+            <p:seq concurrent="1" nextAc="seek">
+              <p:cTn id="2" dur="indefinite" nodeType="mainSeq">
+                <p:childTnLst>
+                  <p:par>
+                    <p:cTn id="3" fill="hold">
+                      <p:stCondLst>
+                        <p:cond delay="indefinite"/>
+                      </p:stCondLst>
+                      <p:childTnLst>
+                        <p:par>
+                          <p:cTn id="4" fill="hold">
+                            <p:stCondLst>
+                              <p:cond delay="0"/>
+                            </p:stCondLst>
+                            <p:childTnLst>
+                              <p:par>
+                                <p:cTn id="5" presetID="10" presetClass="entr" presetSubtype="0" fill="hold" grpId="0" nodeType="clickEffect">
+                                  <p:stCondLst>
+                                    <p:cond delay="0"/>
+                                  </p:stCondLst>
+                                  <p:childTnLst>
+                                    <p:set>
+                                      <p:cBhvr>
+                                        <p:cTn id="6" dur="1" fill="hold">
+                                          <p:stCondLst>
+                                            <p:cond delay="0"/>
+                                          </p:stCondLst>
+                                        </p:cTn>
+                                        <p:tgtEl>
+                                          <p:spTgt spid="5"/>
+                                        </p:tgtEl>
+                                        <p:attrNameLst>
+                                          <p:attrName>style.visibility</p:attrName>
+                                        </p:attrNameLst>
+                                      </p:cBhvr>
+                                      <p:to>
+                                        <p:strVal val="visible"/>
+                                      </p:to>
+                                    </p:set>
+                                    <p:animEffect transition="in" filter="fade">
+                                      <p:cBhvr>
+                                        <p:cTn id="7" dur="2000"/>
+                                        <p:tgtEl>
+                                          <p:spTgt spid="5"/>
+                                        </p:tgtEl>
+                                      </p:cBhvr>
+                                    </p:animEffect>
+                                  </p:childTnLst>
+                                </p:cTn>
+                              </p:par>
+                            </p:childTnLst>
+                          </p:cTn>
+                        </p:par>
+                      </p:childTnLst>
+                    </p:cTn>
+                  </p:par>
+                  <p:par>
+                    <p:cTn id="8" fill="hold">
+                      <p:stCondLst>
+                        <p:cond delay="indefinite"/>
+                      </p:stCondLst>
+                      <p:childTnLst>
+                        <p:par>
+                          <p:cTn id="9" fill="hold">
+                            <p:stCondLst>
+                              <p:cond delay="0"/>
+                            </p:stCondLst>
+                            <p:childTnLst>
+                              <p:par>
+                                <p:cTn id="10" presetID="10" presetClass="entr" presetSubtype="0" fill="hold" grpId="0" nodeType="clickEffect">
+                                  <p:stCondLst>
+                                    <p:cond delay="0"/>
+                                  </p:stCondLst>
+                                  <p:childTnLst>
+                                    <p:set>
+                                      <p:cBhvr>
+                                        <p:cTn id="11" dur="1" fill="hold">
+                                          <p:stCondLst>
+                                            <p:cond delay="0"/>
+                                          </p:stCondLst>
+                                        </p:cTn>
+                                        <p:tgtEl>
+                                          <p:spTgt spid="8"/>
+                                        </p:tgtEl>
+                                        <p:attrNameLst>
+                                          <p:attrName>style.visibility</p:attrName>
+                                        </p:attrNameLst>
+                                      </p:cBhvr>
+                                      <p:to>
+                                        <p:strVal val="visible"/>
+                                      </p:to>
+                                    </p:set>
+                                    <p:animEffect transition="in" filter="fade">
+                                      <p:cBhvr>
+                                        <p:cTn id="12" dur="500"/>
+                                        <p:tgtEl>
+                                          <p:spTgt spid="8"/>
+                                        </p:tgtEl>
+                                      </p:cBhvr>
+                                    </p:animEffect>
+                                  </p:childTnLst>
+                                </p:cTn>
+                              </p:par>
+                            </p:childTnLst>
+                          </p:cTn>
+                        </p:par>
+                        <p:par>
+                          <p:cTn id="13" fill="hold">
+                            <p:stCondLst>
+                              <p:cond delay="500"/>
+                            </p:stCondLst>
+                            <p:childTnLst>
+                              <p:par>
+                                <p:cTn id="14" presetID="10" presetClass="entr" presetSubtype="0" fill="hold" grpId="0" nodeType="afterEffect">
+                                  <p:stCondLst>
+                                    <p:cond delay="0"/>
+                                  </p:stCondLst>
+                                  <p:childTnLst>
+                                    <p:set>
+                                      <p:cBhvr>
+                                        <p:cTn id="15" dur="1" fill="hold">
+                                          <p:stCondLst>
+                                            <p:cond delay="0"/>
+                                          </p:stCondLst>
+                                        </p:cTn>
+                                        <p:tgtEl>
+                                          <p:spTgt spid="7"/>
+                                        </p:tgtEl>
+                                        <p:attrNameLst>
+                                          <p:attrName>style.visibility</p:attrName>
+                                        </p:attrNameLst>
+                                      </p:cBhvr>
+                                      <p:to>
+                                        <p:strVal val="visible"/>
+                                      </p:to>
+                                    </p:set>
+                                    <p:animEffect transition="in" filter="fade">
+                                      <p:cBhvr>
+                                        <p:cTn id="16" dur="500"/>
+                                        <p:tgtEl>
+                                          <p:spTgt spid="7"/>
+                                        </p:tgtEl>
+                                      </p:cBhvr>
+                                    </p:animEffect>
+                                  </p:childTnLst>
+                                </p:cTn>
+                              </p:par>
+                            </p:childTnLst>
+                          </p:cTn>
+                        </p:par>
+                      </p:childTnLst>
+                    </p:cTn>
+                  </p:par>
+                  <p:par>
+                    <p:cTn id="17" fill="hold">
+                      <p:stCondLst>
+                        <p:cond delay="indefinite"/>
+                      </p:stCondLst>
+                      <p:childTnLst>
+                        <p:par>
+                          <p:cTn id="18" fill="hold">
+                            <p:stCondLst>
+                              <p:cond delay="0"/>
+                            </p:stCondLst>
+                            <p:childTnLst>
+                              <p:par>
+                                <p:cTn id="19" presetID="63" presetClass="path" presetSubtype="0" accel="50000" decel="50000" fill="hold" grpId="1" nodeType="clickEffect">
+                                  <p:stCondLst>
+                                    <p:cond delay="0"/>
+                                  </p:stCondLst>
+                                  <p:childTnLst>
+                                    <p:animMotion origin="layout" path="M 8.33333E-7 -1.63737E-6 L 0.09097 -0.02544 " pathEditMode="relative" rAng="0" ptsTypes="AA">
+                                      <p:cBhvr>
+                                        <p:cTn id="20" dur="2000" fill="hold"/>
+                                        <p:tgtEl>
+                                          <p:spTgt spid="8"/>
+                                        </p:tgtEl>
+                                        <p:attrNameLst>
+                                          <p:attrName>ppt_x</p:attrName>
+                                          <p:attrName>ppt_y</p:attrName>
+                                        </p:attrNameLst>
+                                      </p:cBhvr>
+                                      <p:rCtr x="45" y="-13"/>
+                                    </p:animMotion>
+                                  </p:childTnLst>
+                                </p:cTn>
+                              </p:par>
+                            </p:childTnLst>
+                          </p:cTn>
+                        </p:par>
+                      </p:childTnLst>
+                    </p:cTn>
+                  </p:par>
+                  <p:par>
+                    <p:cTn id="21" fill="hold">
+                      <p:stCondLst>
+                        <p:cond delay="indefinite"/>
+                      </p:stCondLst>
+                      <p:childTnLst>
+                        <p:par>
+                          <p:cTn id="22" fill="hold">
+                            <p:stCondLst>
+                              <p:cond delay="0"/>
+                            </p:stCondLst>
+                            <p:childTnLst>
+                              <p:par>
+                                <p:cTn id="23" presetID="63" presetClass="path" presetSubtype="0" accel="50000" decel="50000" fill="hold" grpId="1" nodeType="clickEffect">
+                                  <p:stCondLst>
+                                    <p:cond delay="0"/>
+                                  </p:stCondLst>
+                                  <p:childTnLst>
+                                    <p:animMotion origin="layout" path="M 3.05556E-6 -4.81036E-6 L 0.14774 -0.03191 " pathEditMode="relative" rAng="0" ptsTypes="AA">
+                                      <p:cBhvr>
+                                        <p:cTn id="24" dur="2000" fill="hold"/>
+                                        <p:tgtEl>
+                                          <p:spTgt spid="7"/>
+                                        </p:tgtEl>
+                                        <p:attrNameLst>
+                                          <p:attrName>ppt_x</p:attrName>
+                                          <p:attrName>ppt_y</p:attrName>
+                                        </p:attrNameLst>
+                                      </p:cBhvr>
+                                      <p:rCtr x="74" y="-16"/>
+                                    </p:animMotion>
+                                  </p:childTnLst>
+                                </p:cTn>
+                              </p:par>
+                            </p:childTnLst>
+                          </p:cTn>
+                        </p:par>
+                      </p:childTnLst>
+                    </p:cTn>
+                  </p:par>
+                  <p:par>
+                    <p:cTn id="25" fill="hold">
+                      <p:stCondLst>
+                        <p:cond delay="indefinite"/>
+                      </p:stCondLst>
+                      <p:childTnLst>
+                        <p:par>
+                          <p:cTn id="26" fill="hold">
+                            <p:stCondLst>
+                              <p:cond delay="0"/>
+                            </p:stCondLst>
+                            <p:childTnLst>
+                              <p:par>
+                                <p:cTn id="27" presetID="63" presetClass="path" presetSubtype="0" accel="50000" decel="50000" fill="hold" grpId="2" nodeType="clickEffect">
+                                  <p:stCondLst>
+                                    <p:cond delay="0"/>
+                                  </p:stCondLst>
+                                  <p:childTnLst>
+                                    <p:animMotion origin="layout" path="M 0.15555 -0.03237 L 0.32882 -0.01086 " pathEditMode="relative" rAng="0" ptsTypes="AA">
+                                      <p:cBhvr>
+                                        <p:cTn id="28" dur="2000" fill="hold"/>
+                                        <p:tgtEl>
+                                          <p:spTgt spid="7"/>
+                                        </p:tgtEl>
+                                        <p:attrNameLst>
+                                          <p:attrName>ppt_x</p:attrName>
+                                          <p:attrName>ppt_y</p:attrName>
+                                        </p:attrNameLst>
+                                      </p:cBhvr>
+                                      <p:rCtr x="87" y="11"/>
+                                    </p:animMotion>
+                                  </p:childTnLst>
+                                </p:cTn>
+                              </p:par>
+                            </p:childTnLst>
+                          </p:cTn>
+                        </p:par>
+                      </p:childTnLst>
+                    </p:cTn>
+                  </p:par>
+                  <p:par>
+                    <p:cTn id="29" fill="hold">
+                      <p:stCondLst>
+                        <p:cond delay="indefinite"/>
+                      </p:stCondLst>
+                      <p:childTnLst>
+                        <p:par>
+                          <p:cTn id="30" fill="hold">
+                            <p:stCondLst>
+                              <p:cond delay="0"/>
+                            </p:stCondLst>
+                            <p:childTnLst>
+                              <p:par>
+                                <p:cTn id="31" presetID="10" presetClass="entr" presetSubtype="0" fill="hold" grpId="0" nodeType="clickEffect">
+                                  <p:stCondLst>
+                                    <p:cond delay="0"/>
+                                  </p:stCondLst>
+                                  <p:childTnLst>
+                                    <p:set>
+                                      <p:cBhvr>
+                                        <p:cTn id="32" dur="1" fill="hold">
+                                          <p:stCondLst>
+                                            <p:cond delay="0"/>
+                                          </p:stCondLst>
+                                        </p:cTn>
+                                        <p:tgtEl>
+                                          <p:spTgt spid="9"/>
+                                        </p:tgtEl>
+                                        <p:attrNameLst>
+                                          <p:attrName>style.visibility</p:attrName>
+                                        </p:attrNameLst>
+                                      </p:cBhvr>
+                                      <p:to>
+                                        <p:strVal val="visible"/>
+                                      </p:to>
+                                    </p:set>
+                                    <p:animEffect transition="in" filter="fade">
+                                      <p:cBhvr>
+                                        <p:cTn id="33" dur="2000"/>
+                                        <p:tgtEl>
+                                          <p:spTgt spid="9"/>
+                                        </p:tgtEl>
+                                      </p:cBhvr>
+                                    </p:animEffect>
+                                  </p:childTnLst>
+                                </p:cTn>
+                              </p:par>
+                            </p:childTnLst>
+                          </p:cTn>
+                        </p:par>
+                      </p:childTnLst>
+                    </p:cTn>
+                  </p:par>
+                  <p:par>
+                    <p:cTn id="34" fill="hold">
+                      <p:stCondLst>
+                        <p:cond delay="indefinite"/>
+                      </p:stCondLst>
+                      <p:childTnLst>
+                        <p:par>
+                          <p:cTn id="35" fill="hold">
+                            <p:stCondLst>
+                              <p:cond delay="0"/>
+                            </p:stCondLst>
+                            <p:childTnLst>
+                              <p:par>
+                                <p:cTn id="36" presetID="63" presetClass="path" presetSubtype="0" accel="50000" decel="50000" fill="hold" grpId="2" nodeType="clickEffect">
+                                  <p:stCondLst>
+                                    <p:cond delay="0"/>
+                                  </p:stCondLst>
+                                  <p:childTnLst>
+                                    <p:animMotion origin="layout" path="M 0.09097 -0.02544 L 0.29583 -0.03584 " pathEditMode="relative" rAng="0" ptsTypes="AA">
+                                      <p:cBhvr>
+                                        <p:cTn id="37" dur="2000" fill="hold"/>
+                                        <p:tgtEl>
+                                          <p:spTgt spid="8"/>
+                                        </p:tgtEl>
+                                        <p:attrNameLst>
+                                          <p:attrName>ppt_x</p:attrName>
+                                          <p:attrName>ppt_y</p:attrName>
+                                        </p:attrNameLst>
+                                      </p:cBhvr>
+                                      <p:rCtr x="102" y="-5"/>
+                                    </p:animMotion>
+                                  </p:childTnLst>
+                                </p:cTn>
+                              </p:par>
+                              <p:par>
+                                <p:cTn id="38" presetID="1" presetClass="exit" presetSubtype="0" fill="hold" grpId="1" nodeType="withEffect">
+                                  <p:stCondLst>
+                                    <p:cond delay="0"/>
+                                  </p:stCondLst>
+                                  <p:childTnLst>
+                                    <p:set>
+                                      <p:cBhvr>
+                                        <p:cTn id="39" dur="1" fill="hold">
+                                          <p:stCondLst>
+                                            <p:cond delay="0"/>
+                                          </p:stCondLst>
+                                        </p:cTn>
+                                        <p:tgtEl>
+                                          <p:spTgt spid="9"/>
+                                        </p:tgtEl>
+                                        <p:attrNameLst>
+                                          <p:attrName>style.visibility</p:attrName>
+                                        </p:attrNameLst>
+                                      </p:cBhvr>
+                                      <p:to>
+                                        <p:strVal val="hidden"/>
+                                      </p:to>
+                                    </p:set>
+                                  </p:childTnLst>
+                                </p:cTn>
+                              </p:par>
+                            </p:childTnLst>
+                          </p:cTn>
+                        </p:par>
+                      </p:childTnLst>
+                    </p:cTn>
+                  </p:par>
+                  <p:par>
+                    <p:cTn id="40" fill="hold">
+                      <p:stCondLst>
+                        <p:cond delay="indefinite"/>
+                      </p:stCondLst>
+                      <p:childTnLst>
+                        <p:par>
+                          <p:cTn id="41" fill="hold">
+                            <p:stCondLst>
+                              <p:cond delay="0"/>
+                            </p:stCondLst>
+                            <p:childTnLst>
+                              <p:par>
+                                <p:cTn id="42" presetID="63" presetClass="path" presetSubtype="0" accel="50000" decel="50000" fill="hold" grpId="1" nodeType="clickEffect">
+                                  <p:stCondLst>
+                                    <p:cond delay="0"/>
+                                  </p:stCondLst>
+                                  <p:childTnLst>
+                                    <p:animMotion origin="layout" path="M 0 -2.92322E-6 L 0.37604 0.0118 " pathEditMode="relative" rAng="0" ptsTypes="AA">
+                                      <p:cBhvr>
+                                        <p:cTn id="43" dur="2000" fill="hold"/>
+                                        <p:tgtEl>
+                                          <p:spTgt spid="5"/>
+                                        </p:tgtEl>
+                                        <p:attrNameLst>
+                                          <p:attrName>ppt_x</p:attrName>
+                                          <p:attrName>ppt_y</p:attrName>
+                                        </p:attrNameLst>
+                                      </p:cBhvr>
+                                      <p:rCtr x="188" y="6"/>
+                                    </p:animMotion>
+                                  </p:childTnLst>
+                                </p:cTn>
+                              </p:par>
+                            </p:childTnLst>
+                          </p:cTn>
+                        </p:par>
+                      </p:childTnLst>
+                    </p:cTn>
+                  </p:par>
+                </p:childTnLst>
+              </p:cTn>
+              <p:prevCondLst>
+                <p:cond evt="onPrev" delay="0">
+                  <p:tgtEl>
+                    <p:sldTgt/>
+                  </p:tgtEl>
+                </p:cond>
+              </p:prevCondLst>
+              <p:nextCondLst>
+                <p:cond evt="onNext" delay="0">
+                  <p:tgtEl>
+                    <p:sldTgt/>
+                  </p:tgtEl>
+                </p:cond>
+              </p:nextCondLst>
+            </p:seq>
+          </p:childTnLst>
+        </p:cTn>
       </p:par>
     </p:tnLst>
+    <p:bldLst>
+      <p:bldP spid="5" grpId="0" animBg="1"/>
+      <p:bldP spid="5" grpId="1" animBg="1"/>
+      <p:bldP spid="8" grpId="0" animBg="1"/>
+      <p:bldP spid="8" grpId="1" animBg="1"/>
+      <p:bldP spid="8" grpId="2" animBg="1"/>
+      <p:bldP spid="7" grpId="0" animBg="1"/>
+      <p:bldP spid="7" grpId="1" animBg="1"/>
+      <p:bldP spid="7" grpId="2" animBg="1"/>
+      <p:bldP spid="9" grpId="0" animBg="1"/>
+      <p:bldP spid="9" grpId="1" animBg="1"/>
+    </p:bldLst>
   </p:timing>
 </p:sld>
 </file>
@@ -11438,13 +12107,8 @@
           <a:p>
             <a:r>
               <a:rPr lang="nl-BE" dirty="0" smtClean="0"/>
-              <a:t>4 week sprints to 2 week </a:t>
-            </a:r>
-            <a:r>
-              <a:rPr lang="nl-BE" dirty="0" smtClean="0"/>
-              <a:t>sprints</a:t>
-            </a:r>
-            <a:endParaRPr lang="nl-BE" dirty="0" smtClean="0"/>
+              <a:t>4 week sprints to 2 week sprints</a:t>
+            </a:r>
           </a:p>
         </p:txBody>
       </p:sp>

--- a/Agile.net/Artilium.pptx
+++ b/Agile.net/Artilium.pptx
@@ -8,18 +8,20 @@
   <p:sldIdLst>
     <p:sldId id="261" r:id="rId3"/>
     <p:sldId id="264" r:id="rId4"/>
-    <p:sldId id="278" r:id="rId5"/>
-    <p:sldId id="274" r:id="rId6"/>
-    <p:sldId id="276" r:id="rId7"/>
-    <p:sldId id="263" r:id="rId8"/>
-    <p:sldId id="279" r:id="rId9"/>
-    <p:sldId id="271" r:id="rId10"/>
-    <p:sldId id="281" r:id="rId11"/>
-    <p:sldId id="280" r:id="rId12"/>
-    <p:sldId id="262" r:id="rId13"/>
-    <p:sldId id="270" r:id="rId14"/>
-    <p:sldId id="272" r:id="rId15"/>
-    <p:sldId id="273" r:id="rId16"/>
+    <p:sldId id="282" r:id="rId5"/>
+    <p:sldId id="278" r:id="rId6"/>
+    <p:sldId id="274" r:id="rId7"/>
+    <p:sldId id="276" r:id="rId8"/>
+    <p:sldId id="263" r:id="rId9"/>
+    <p:sldId id="279" r:id="rId10"/>
+    <p:sldId id="271" r:id="rId11"/>
+    <p:sldId id="281" r:id="rId12"/>
+    <p:sldId id="280" r:id="rId13"/>
+    <p:sldId id="283" r:id="rId14"/>
+    <p:sldId id="262" r:id="rId15"/>
+    <p:sldId id="270" r:id="rId16"/>
+    <p:sldId id="272" r:id="rId17"/>
+    <p:sldId id="273" r:id="rId18"/>
   </p:sldIdLst>
   <p:sldSz cx="9144000" cy="6858000" type="screen4x3"/>
   <p:notesSz cx="6858000" cy="9144000"/>
@@ -7613,7 +7615,7 @@
                                     </p:set>
                                     <p:animEffect transition="in" filter="fade">
                                       <p:cBhvr>
-                                        <p:cTn id="12" dur="2000"/>
+                                        <p:cTn id="12" dur="500"/>
                                         <p:tgtEl>
                                           <p:spTgt spid="4101"/>
                                         </p:tgtEl>
@@ -7628,7 +7630,7 @@
                         <p:par>
                           <p:cTn id="13" fill="hold">
                             <p:stCondLst>
-                              <p:cond delay="2000"/>
+                              <p:cond delay="500"/>
                             </p:stCondLst>
                             <p:childTnLst>
                               <p:par>
@@ -7657,7 +7659,7 @@
                                     </p:set>
                                     <p:animEffect transition="in" filter="fade">
                                       <p:cBhvr>
-                                        <p:cTn id="16" dur="2000"/>
+                                        <p:cTn id="16" dur="500"/>
                                         <p:tgtEl>
                                           <p:spTgt spid="4102"/>
                                         </p:tgtEl>
@@ -7692,7 +7694,7 @@
                                     </p:set>
                                     <p:animEffect transition="in" filter="fade">
                                       <p:cBhvr>
-                                        <p:cTn id="19" dur="2000"/>
+                                        <p:cTn id="19" dur="500"/>
                                         <p:tgtEl>
                                           <p:spTgt spid="7"/>
                                         </p:tgtEl>
@@ -7707,7 +7709,7 @@
                         <p:par>
                           <p:cTn id="20" fill="hold">
                             <p:stCondLst>
-                              <p:cond delay="4000"/>
+                              <p:cond delay="1000"/>
                             </p:stCondLst>
                             <p:childTnLst>
                               <p:par>
@@ -7736,7 +7738,7 @@
                                     </p:set>
                                     <p:animEffect transition="in" filter="fade">
                                       <p:cBhvr>
-                                        <p:cTn id="23" dur="2000"/>
+                                        <p:cTn id="23" dur="500"/>
                                         <p:tgtEl>
                                           <p:spTgt spid="1026"/>
                                         </p:tgtEl>
@@ -7856,60 +7858,74 @@
               <a:t>4 week sprints to 2 week sprints</a:t>
             </a:r>
           </a:p>
-          <a:p>
-            <a:r>
-              <a:rPr lang="nl-BE" dirty="0" smtClean="0"/>
-              <a:t>...</a:t>
-            </a:r>
-          </a:p>
-        </p:txBody>
-      </p:sp>
-      <p:sp>
-        <p:nvSpPr>
-          <p:cNvPr id="5" name="Rectangle 4"/>
-          <p:cNvSpPr/>
+        </p:txBody>
+      </p:sp>
+      <p:pic>
+        <p:nvPicPr>
+          <p:cNvPr id="3074" name="Picture 2"/>
+          <p:cNvPicPr>
+            <a:picLocks noChangeAspect="1" noChangeArrowheads="1"/>
+          </p:cNvPicPr>
           <p:nvPr/>
-        </p:nvSpPr>
-        <p:spPr>
+        </p:nvPicPr>
+        <p:blipFill>
+          <a:blip r:embed="rId2"/>
+          <a:srcRect/>
+          <a:stretch>
+            <a:fillRect/>
+          </a:stretch>
+        </p:blipFill>
+        <p:spPr bwMode="auto">
           <a:xfrm>
-            <a:off x="214282" y="4286256"/>
-            <a:ext cx="8715436" cy="1857388"/>
+            <a:off x="3714744" y="3929066"/>
+            <a:ext cx="2857500" cy="2562225"/>
           </a:xfrm>
           <a:prstGeom prst="rect">
             <a:avLst/>
           </a:prstGeom>
+          <a:noFill/>
+          <a:ln w="9525">
+            <a:noFill/>
+            <a:miter lim="800000"/>
+            <a:headEnd/>
+            <a:tailEnd/>
+          </a:ln>
+          <a:effectLst/>
         </p:spPr>
-        <p:style>
-          <a:lnRef idx="2">
-            <a:schemeClr val="accent2"/>
-          </a:lnRef>
-          <a:fillRef idx="1">
-            <a:schemeClr val="lt1"/>
-          </a:fillRef>
-          <a:effectRef idx="0">
-            <a:schemeClr val="accent2"/>
-          </a:effectRef>
-          <a:fontRef idx="minor">
-            <a:schemeClr val="dk1"/>
-          </a:fontRef>
-        </p:style>
-        <p:txBody>
-          <a:bodyPr rtlCol="0" anchor="ctr"/>
-          <a:lstStyle/>
-          <a:p>
-            <a:pPr algn="ctr"/>
-            <a:r>
-              <a:rPr lang="nl-BE" sz="6000" dirty="0" smtClean="0"/>
-              <a:t>Retrospectives rulez !</a:t>
-            </a:r>
-            <a:endParaRPr lang="en-US" sz="6000" dirty="0">
-              <a:solidFill>
-                <a:schemeClr val="tx1"/>
-              </a:solidFill>
-            </a:endParaRPr>
-          </a:p>
-        </p:txBody>
-      </p:sp>
+      </p:pic>
+      <p:pic>
+        <p:nvPicPr>
+          <p:cNvPr id="3075" name="Picture 3"/>
+          <p:cNvPicPr>
+            <a:picLocks noChangeAspect="1" noChangeArrowheads="1"/>
+          </p:cNvPicPr>
+          <p:nvPr/>
+        </p:nvPicPr>
+        <p:blipFill>
+          <a:blip r:embed="rId3"/>
+          <a:srcRect b="8333"/>
+          <a:stretch>
+            <a:fillRect/>
+          </a:stretch>
+        </p:blipFill>
+        <p:spPr bwMode="auto">
+          <a:xfrm flipH="1">
+            <a:off x="3357554" y="3929066"/>
+            <a:ext cx="3740753" cy="2571768"/>
+          </a:xfrm>
+          <a:prstGeom prst="rect">
+            <a:avLst/>
+          </a:prstGeom>
+          <a:noFill/>
+          <a:ln w="9525">
+            <a:noFill/>
+            <a:miter lim="800000"/>
+            <a:headEnd/>
+            <a:tailEnd/>
+          </a:ln>
+          <a:effectLst/>
+        </p:spPr>
+      </p:pic>
     </p:spTree>
   </p:cSld>
   <p:clrMapOvr>
@@ -7957,7 +7973,7 @@
                                         <p:tgtEl>
                                           <p:spTgt spid="3">
                                             <p:txEl>
-                                              <p:pRg st="4" end="4"/>
+                                              <p:pRg st="3" end="3"/>
                                             </p:txEl>
                                           </p:spTgt>
                                         </p:tgtEl>
@@ -7975,9 +7991,53 @@
                                         <p:tgtEl>
                                           <p:spTgt spid="3">
                                             <p:txEl>
-                                              <p:pRg st="4" end="4"/>
+                                              <p:pRg st="3" end="3"/>
                                             </p:txEl>
                                           </p:spTgt>
+                                        </p:tgtEl>
+                                      </p:cBhvr>
+                                    </p:animEffect>
+                                  </p:childTnLst>
+                                </p:cTn>
+                              </p:par>
+                            </p:childTnLst>
+                          </p:cTn>
+                        </p:par>
+                        <p:par>
+                          <p:cTn id="8" fill="hold">
+                            <p:stCondLst>
+                              <p:cond delay="1000"/>
+                            </p:stCondLst>
+                            <p:childTnLst>
+                              <p:par>
+                                <p:cTn id="9" presetID="10" presetClass="entr" presetSubtype="0" fill="hold" nodeType="afterEffect">
+                                  <p:stCondLst>
+                                    <p:cond delay="0"/>
+                                  </p:stCondLst>
+                                  <p:childTnLst>
+                                    <p:set>
+                                      <p:cBhvr>
+                                        <p:cTn id="10" dur="1" fill="hold">
+                                          <p:stCondLst>
+                                            <p:cond delay="0"/>
+                                          </p:stCondLst>
+                                        </p:cTn>
+                                        <p:tgtEl>
+                                          <p:spTgt spid="3074"/>
+                                        </p:tgtEl>
+                                        <p:attrNameLst>
+                                          <p:attrName>style.visibility</p:attrName>
+                                        </p:attrNameLst>
+                                      </p:cBhvr>
+                                      <p:to>
+                                        <p:strVal val="visible"/>
+                                      </p:to>
+                                    </p:set>
+                                    <p:animEffect transition="in" filter="fade">
+                                      <p:cBhvr>
+                                        <p:cTn id="11" dur="2000"/>
+                                        <p:tgtEl>
+                                          <p:spTgt spid="3074"/>
                                         </p:tgtEl>
                                       </p:cBhvr>
                                     </p:animEffect>
@@ -7991,26 +8051,471 @@
                     </p:cTn>
                   </p:par>
                   <p:par>
-                    <p:cTn id="8" fill="hold">
+                    <p:cTn id="12" fill="hold">
                       <p:stCondLst>
                         <p:cond delay="indefinite"/>
                       </p:stCondLst>
                       <p:childTnLst>
                         <p:par>
-                          <p:cTn id="9" fill="hold">
+                          <p:cTn id="13" fill="hold">
                             <p:stCondLst>
                               <p:cond delay="0"/>
                             </p:stCondLst>
                             <p:childTnLst>
                               <p:par>
-                                <p:cTn id="10" presetID="10" presetClass="entr" presetSubtype="0" fill="hold" grpId="0" nodeType="clickEffect">
+                                <p:cTn id="14" presetID="10" presetClass="entr" presetSubtype="0" fill="hold" nodeType="clickEffect">
                                   <p:stCondLst>
                                     <p:cond delay="0"/>
                                   </p:stCondLst>
                                   <p:childTnLst>
                                     <p:set>
                                       <p:cBhvr>
-                                        <p:cTn id="11" dur="1" fill="hold">
+                                        <p:cTn id="15" dur="1" fill="hold">
+                                          <p:stCondLst>
+                                            <p:cond delay="0"/>
+                                          </p:stCondLst>
+                                        </p:cTn>
+                                        <p:tgtEl>
+                                          <p:spTgt spid="3075"/>
+                                        </p:tgtEl>
+                                        <p:attrNameLst>
+                                          <p:attrName>style.visibility</p:attrName>
+                                        </p:attrNameLst>
+                                      </p:cBhvr>
+                                      <p:to>
+                                        <p:strVal val="visible"/>
+                                      </p:to>
+                                    </p:set>
+                                    <p:animEffect transition="in" filter="fade">
+                                      <p:cBhvr>
+                                        <p:cTn id="16" dur="2000"/>
+                                        <p:tgtEl>
+                                          <p:spTgt spid="3075"/>
+                                        </p:tgtEl>
+                                      </p:cBhvr>
+                                    </p:animEffect>
+                                  </p:childTnLst>
+                                </p:cTn>
+                              </p:par>
+                            </p:childTnLst>
+                          </p:cTn>
+                        </p:par>
+                      </p:childTnLst>
+                    </p:cTn>
+                  </p:par>
+                </p:childTnLst>
+              </p:cTn>
+              <p:prevCondLst>
+                <p:cond evt="onPrev" delay="0">
+                  <p:tgtEl>
+                    <p:sldTgt/>
+                  </p:tgtEl>
+                </p:cond>
+              </p:prevCondLst>
+              <p:nextCondLst>
+                <p:cond evt="onNext" delay="0">
+                  <p:tgtEl>
+                    <p:sldTgt/>
+                  </p:tgtEl>
+                </p:cond>
+              </p:nextCondLst>
+            </p:seq>
+          </p:childTnLst>
+        </p:cTn>
+      </p:par>
+    </p:tnLst>
+    <p:bldLst>
+      <p:bldP spid="3" grpId="0" build="p"/>
+    </p:bldLst>
+  </p:timing>
+</p:sld>
+</file>
+
+<file path=ppt/slides/slide11.xml><?xml version="1.0" encoding="utf-8"?>
+<p:sld xmlns:a="http://schemas.openxmlformats.org/drawingml/2006/main" xmlns:r="http://schemas.openxmlformats.org/officeDocument/2006/relationships" xmlns:p="http://schemas.openxmlformats.org/presentationml/2006/main">
+  <p:cSld>
+    <p:spTree>
+      <p:nvGrpSpPr>
+        <p:cNvPr id="1" name=""/>
+        <p:cNvGrpSpPr/>
+        <p:nvPr/>
+      </p:nvGrpSpPr>
+      <p:grpSpPr>
+        <a:xfrm>
+          <a:off x="0" y="0"/>
+          <a:ext cx="0" cy="0"/>
+          <a:chOff x="0" y="0"/>
+          <a:chExt cx="0" cy="0"/>
+        </a:xfrm>
+      </p:grpSpPr>
+      <p:sp>
+        <p:nvSpPr>
+          <p:cNvPr id="2" name="Title 1"/>
+          <p:cNvSpPr>
+            <a:spLocks noGrp="1"/>
+          </p:cNvSpPr>
+          <p:nvPr>
+            <p:ph type="title"/>
+          </p:nvPr>
+        </p:nvSpPr>
+        <p:spPr/>
+        <p:txBody>
+          <a:bodyPr>
+            <a:normAutofit fontScale="90000"/>
+          </a:bodyPr>
+          <a:lstStyle/>
+          <a:p>
+            <a:r>
+              <a:rPr lang="nl-BE" dirty="0" smtClean="0"/>
+              <a:t>Artilium: Continuous Improvement</a:t>
+            </a:r>
+            <a:endParaRPr lang="en-US" dirty="0"/>
+          </a:p>
+        </p:txBody>
+      </p:sp>
+      <p:sp>
+        <p:nvSpPr>
+          <p:cNvPr id="3" name="Content Placeholder 2"/>
+          <p:cNvSpPr>
+            <a:spLocks noGrp="1"/>
+          </p:cNvSpPr>
+          <p:nvPr>
+            <p:ph idx="1"/>
+          </p:nvPr>
+        </p:nvSpPr>
+        <p:spPr/>
+        <p:txBody>
+          <a:bodyPr/>
+          <a:lstStyle/>
+          <a:p>
+            <a:r>
+              <a:rPr lang="nl-BE" dirty="0" smtClean="0"/>
+              <a:t>From no build to full build</a:t>
+            </a:r>
+          </a:p>
+          <a:p>
+            <a:r>
+              <a:rPr lang="nl-BE" dirty="0" smtClean="0"/>
+              <a:t>From BDUF to incremental design</a:t>
+            </a:r>
+          </a:p>
+          <a:p>
+            <a:r>
+              <a:rPr lang="nl-BE" dirty="0" smtClean="0"/>
+              <a:t>Adding tasks to the scrum board</a:t>
+            </a:r>
+          </a:p>
+          <a:p>
+            <a:r>
+              <a:rPr lang="nl-BE" dirty="0" smtClean="0"/>
+              <a:t>4 week sprints to 2 week sprints</a:t>
+            </a:r>
+          </a:p>
+          <a:p>
+            <a:r>
+              <a:rPr lang="nl-BE" dirty="0" smtClean="0"/>
+              <a:t>Definition of DONE</a:t>
+            </a:r>
+            <a:endParaRPr lang="nl-BE" dirty="0" smtClean="0"/>
+          </a:p>
+        </p:txBody>
+      </p:sp>
+      <p:pic>
+        <p:nvPicPr>
+          <p:cNvPr id="6" name="Picture 5" descr="definition of done.jpg"/>
+          <p:cNvPicPr>
+            <a:picLocks noChangeAspect="1"/>
+          </p:cNvPicPr>
+          <p:nvPr/>
+        </p:nvPicPr>
+        <p:blipFill>
+          <a:blip r:embed="rId2"/>
+          <a:stretch>
+            <a:fillRect/>
+          </a:stretch>
+        </p:blipFill>
+        <p:spPr>
+          <a:xfrm>
+            <a:off x="2928926" y="4214817"/>
+            <a:ext cx="4214842" cy="2604963"/>
+          </a:xfrm>
+          <a:prstGeom prst="rect">
+            <a:avLst/>
+          </a:prstGeom>
+        </p:spPr>
+      </p:pic>
+    </p:spTree>
+  </p:cSld>
+  <p:clrMapOvr>
+    <a:masterClrMapping/>
+  </p:clrMapOvr>
+  <p:transition>
+    <p:fade/>
+  </p:transition>
+  <p:timing>
+    <p:tnLst>
+      <p:par>
+        <p:cTn id="1" dur="indefinite" restart="never" nodeType="tmRoot">
+          <p:childTnLst>
+            <p:seq concurrent="1" nextAc="seek">
+              <p:cTn id="2" dur="indefinite" nodeType="mainSeq">
+                <p:childTnLst>
+                  <p:par>
+                    <p:cTn id="3" fill="hold">
+                      <p:stCondLst>
+                        <p:cond delay="indefinite"/>
+                        <p:cond evt="onBegin" delay="0">
+                          <p:tn val="2"/>
+                        </p:cond>
+                      </p:stCondLst>
+                      <p:childTnLst>
+                        <p:par>
+                          <p:cTn id="4" fill="hold">
+                            <p:stCondLst>
+                              <p:cond delay="0"/>
+                            </p:stCondLst>
+                            <p:childTnLst>
+                              <p:par>
+                                <p:cTn id="5" presetID="10" presetClass="entr" presetSubtype="0" fill="hold" nodeType="afterEffect">
+                                  <p:stCondLst>
+                                    <p:cond delay="0"/>
+                                  </p:stCondLst>
+                                  <p:childTnLst>
+                                    <p:set>
+                                      <p:cBhvr>
+                                        <p:cTn id="6" dur="1" fill="hold">
+                                          <p:stCondLst>
+                                            <p:cond delay="0"/>
+                                          </p:stCondLst>
+                                        </p:cTn>
+                                        <p:tgtEl>
+                                          <p:spTgt spid="6"/>
+                                        </p:tgtEl>
+                                        <p:attrNameLst>
+                                          <p:attrName>style.visibility</p:attrName>
+                                        </p:attrNameLst>
+                                      </p:cBhvr>
+                                      <p:to>
+                                        <p:strVal val="visible"/>
+                                      </p:to>
+                                    </p:set>
+                                    <p:animEffect transition="in" filter="fade">
+                                      <p:cBhvr>
+                                        <p:cTn id="7" dur="2000"/>
+                                        <p:tgtEl>
+                                          <p:spTgt spid="6"/>
+                                        </p:tgtEl>
+                                      </p:cBhvr>
+                                    </p:animEffect>
+                                  </p:childTnLst>
+                                </p:cTn>
+                              </p:par>
+                            </p:childTnLst>
+                          </p:cTn>
+                        </p:par>
+                      </p:childTnLst>
+                    </p:cTn>
+                  </p:par>
+                </p:childTnLst>
+              </p:cTn>
+              <p:prevCondLst>
+                <p:cond evt="onPrev" delay="0">
+                  <p:tgtEl>
+                    <p:sldTgt/>
+                  </p:tgtEl>
+                </p:cond>
+              </p:prevCondLst>
+              <p:nextCondLst>
+                <p:cond evt="onNext" delay="0">
+                  <p:tgtEl>
+                    <p:sldTgt/>
+                  </p:tgtEl>
+                </p:cond>
+              </p:nextCondLst>
+            </p:seq>
+          </p:childTnLst>
+        </p:cTn>
+      </p:par>
+    </p:tnLst>
+  </p:timing>
+</p:sld>
+</file>
+
+<file path=ppt/slides/slide12.xml><?xml version="1.0" encoding="utf-8"?>
+<p:sld xmlns:a="http://schemas.openxmlformats.org/drawingml/2006/main" xmlns:r="http://schemas.openxmlformats.org/officeDocument/2006/relationships" xmlns:p="http://schemas.openxmlformats.org/presentationml/2006/main">
+  <p:cSld>
+    <p:spTree>
+      <p:nvGrpSpPr>
+        <p:cNvPr id="1" name=""/>
+        <p:cNvGrpSpPr/>
+        <p:nvPr/>
+      </p:nvGrpSpPr>
+      <p:grpSpPr>
+        <a:xfrm>
+          <a:off x="0" y="0"/>
+          <a:ext cx="0" cy="0"/>
+          <a:chOff x="0" y="0"/>
+          <a:chExt cx="0" cy="0"/>
+        </a:xfrm>
+      </p:grpSpPr>
+      <p:sp>
+        <p:nvSpPr>
+          <p:cNvPr id="2" name="Title 1"/>
+          <p:cNvSpPr>
+            <a:spLocks noGrp="1"/>
+          </p:cNvSpPr>
+          <p:nvPr>
+            <p:ph type="title"/>
+          </p:nvPr>
+        </p:nvSpPr>
+        <p:spPr/>
+        <p:txBody>
+          <a:bodyPr>
+            <a:normAutofit fontScale="90000"/>
+          </a:bodyPr>
+          <a:lstStyle/>
+          <a:p>
+            <a:r>
+              <a:rPr lang="nl-BE" dirty="0" smtClean="0"/>
+              <a:t>Artilium: Continuous Improvement</a:t>
+            </a:r>
+            <a:endParaRPr lang="en-US" dirty="0"/>
+          </a:p>
+        </p:txBody>
+      </p:sp>
+      <p:sp>
+        <p:nvSpPr>
+          <p:cNvPr id="3" name="Content Placeholder 2"/>
+          <p:cNvSpPr>
+            <a:spLocks noGrp="1"/>
+          </p:cNvSpPr>
+          <p:nvPr>
+            <p:ph idx="1"/>
+          </p:nvPr>
+        </p:nvSpPr>
+        <p:spPr/>
+        <p:txBody>
+          <a:bodyPr/>
+          <a:lstStyle/>
+          <a:p>
+            <a:r>
+              <a:rPr lang="nl-BE" dirty="0" smtClean="0"/>
+              <a:t>From no build to full build</a:t>
+            </a:r>
+          </a:p>
+          <a:p>
+            <a:r>
+              <a:rPr lang="nl-BE" dirty="0" smtClean="0"/>
+              <a:t>From BDUF to incremental design</a:t>
+            </a:r>
+          </a:p>
+          <a:p>
+            <a:r>
+              <a:rPr lang="nl-BE" dirty="0" smtClean="0"/>
+              <a:t>Adding tasks to the scrum board</a:t>
+            </a:r>
+          </a:p>
+          <a:p>
+            <a:r>
+              <a:rPr lang="nl-BE" dirty="0" smtClean="0"/>
+              <a:t>4 week sprints to 2 week sprints</a:t>
+            </a:r>
+          </a:p>
+          <a:p>
+            <a:r>
+              <a:rPr lang="nl-BE" dirty="0" smtClean="0"/>
+              <a:t>Definition of DONE</a:t>
+            </a:r>
+            <a:endParaRPr lang="nl-BE" dirty="0" smtClean="0"/>
+          </a:p>
+        </p:txBody>
+      </p:sp>
+      <p:sp>
+        <p:nvSpPr>
+          <p:cNvPr id="5" name="Rectangle 4"/>
+          <p:cNvSpPr/>
+          <p:nvPr/>
+        </p:nvSpPr>
+        <p:spPr>
+          <a:xfrm>
+            <a:off x="214282" y="4286256"/>
+            <a:ext cx="8715436" cy="1857388"/>
+          </a:xfrm>
+          <a:prstGeom prst="rect">
+            <a:avLst/>
+          </a:prstGeom>
+        </p:spPr>
+        <p:style>
+          <a:lnRef idx="2">
+            <a:schemeClr val="accent2"/>
+          </a:lnRef>
+          <a:fillRef idx="1">
+            <a:schemeClr val="lt1"/>
+          </a:fillRef>
+          <a:effectRef idx="0">
+            <a:schemeClr val="accent2"/>
+          </a:effectRef>
+          <a:fontRef idx="minor">
+            <a:schemeClr val="dk1"/>
+          </a:fontRef>
+        </p:style>
+        <p:txBody>
+          <a:bodyPr rtlCol="0" anchor="ctr"/>
+          <a:lstStyle/>
+          <a:p>
+            <a:pPr algn="ctr"/>
+            <a:r>
+              <a:rPr lang="nl-BE" sz="6000" dirty="0" smtClean="0"/>
+              <a:t>Retrospectives rulez !</a:t>
+            </a:r>
+            <a:endParaRPr lang="en-US" sz="6000" dirty="0">
+              <a:solidFill>
+                <a:schemeClr val="tx1"/>
+              </a:solidFill>
+            </a:endParaRPr>
+          </a:p>
+        </p:txBody>
+      </p:sp>
+    </p:spTree>
+  </p:cSld>
+  <p:clrMapOvr>
+    <a:masterClrMapping/>
+  </p:clrMapOvr>
+  <p:transition>
+    <p:fade/>
+  </p:transition>
+  <p:timing>
+    <p:tnLst>
+      <p:par>
+        <p:cTn id="1" dur="indefinite" restart="never" nodeType="tmRoot">
+          <p:childTnLst>
+            <p:seq concurrent="1" nextAc="seek">
+              <p:cTn id="2" dur="indefinite" nodeType="mainSeq">
+                <p:childTnLst>
+                  <p:par>
+                    <p:cTn id="3" fill="hold">
+                      <p:stCondLst>
+                        <p:cond delay="indefinite"/>
+                        <p:cond evt="onBegin" delay="0">
+                          <p:tn val="2"/>
+                        </p:cond>
+                      </p:stCondLst>
+                      <p:childTnLst>
+                        <p:par>
+                          <p:cTn id="4" fill="hold">
+                            <p:stCondLst>
+                              <p:cond delay="0"/>
+                            </p:stCondLst>
+                            <p:childTnLst>
+                              <p:par>
+                                <p:cTn id="5" presetID="10" presetClass="entr" presetSubtype="0" fill="hold" grpId="0" nodeType="afterEffect">
+                                  <p:stCondLst>
+                                    <p:cond delay="0"/>
+                                  </p:stCondLst>
+                                  <p:childTnLst>
+                                    <p:set>
+                                      <p:cBhvr>
+                                        <p:cTn id="6" dur="1" fill="hold">
                                           <p:stCondLst>
                                             <p:cond delay="0"/>
                                           </p:stCondLst>
@@ -8028,7 +8533,7 @@
                                     </p:set>
                                     <p:animEffect transition="in" filter="fade">
                                       <p:cBhvr>
-                                        <p:cTn id="12" dur="2000"/>
+                                        <p:cTn id="7" dur="2000"/>
                                         <p:tgtEl>
                                           <p:spTgt spid="5"/>
                                         </p:tgtEl>
@@ -8065,14 +8570,13 @@
       </p:par>
     </p:tnLst>
     <p:bldLst>
-      <p:bldP spid="3" grpId="0" uiExpand="1" build="p"/>
       <p:bldP spid="5" grpId="0" animBg="1"/>
     </p:bldLst>
   </p:timing>
 </p:sld>
 </file>
 
-<file path=ppt/slides/slide11.xml><?xml version="1.0" encoding="utf-8"?>
+<file path=ppt/slides/slide13.xml><?xml version="1.0" encoding="utf-8"?>
 <p:sld xmlns:a="http://schemas.openxmlformats.org/drawingml/2006/main" xmlns:r="http://schemas.openxmlformats.org/officeDocument/2006/relationships" xmlns:p="http://schemas.openxmlformats.org/presentationml/2006/main">
   <p:cSld>
     <p:spTree>
@@ -8153,7 +8657,7 @@
 </p:sld>
 </file>
 
-<file path=ppt/slides/slide12.xml><?xml version="1.0" encoding="utf-8"?>
+<file path=ppt/slides/slide14.xml><?xml version="1.0" encoding="utf-8"?>
 <p:sld xmlns:a="http://schemas.openxmlformats.org/drawingml/2006/main" xmlns:r="http://schemas.openxmlformats.org/officeDocument/2006/relationships" xmlns:p="http://schemas.openxmlformats.org/presentationml/2006/main">
   <p:cSld>
     <p:spTree>
@@ -8250,7 +8754,7 @@
 </p:sld>
 </file>
 
-<file path=ppt/slides/slide13.xml><?xml version="1.0" encoding="utf-8"?>
+<file path=ppt/slides/slide15.xml><?xml version="1.0" encoding="utf-8"?>
 <p:sld xmlns:a="http://schemas.openxmlformats.org/drawingml/2006/main" xmlns:r="http://schemas.openxmlformats.org/officeDocument/2006/relationships" xmlns:p="http://schemas.openxmlformats.org/presentationml/2006/main">
   <p:cSld>
     <p:spTree>
@@ -8337,7 +8841,7 @@
 </p:sld>
 </file>
 
-<file path=ppt/slides/slide14.xml><?xml version="1.0" encoding="utf-8"?>
+<file path=ppt/slides/slide16.xml><?xml version="1.0" encoding="utf-8"?>
 <p:sld xmlns:a="http://schemas.openxmlformats.org/drawingml/2006/main" xmlns:r="http://schemas.openxmlformats.org/officeDocument/2006/relationships" xmlns:p="http://schemas.openxmlformats.org/presentationml/2006/main">
   <p:cSld>
     <p:spTree>
@@ -8912,6 +9416,95 @@
 </file>
 
 <file path=ppt/slides/slide3.xml><?xml version="1.0" encoding="utf-8"?>
+<p:sld xmlns:a="http://schemas.openxmlformats.org/drawingml/2006/main" xmlns:r="http://schemas.openxmlformats.org/officeDocument/2006/relationships" xmlns:p="http://schemas.openxmlformats.org/presentationml/2006/main">
+  <p:cSld>
+    <p:spTree>
+      <p:nvGrpSpPr>
+        <p:cNvPr id="1" name=""/>
+        <p:cNvGrpSpPr/>
+        <p:nvPr/>
+      </p:nvGrpSpPr>
+      <p:grpSpPr>
+        <a:xfrm>
+          <a:off x="0" y="0"/>
+          <a:ext cx="0" cy="0"/>
+          <a:chOff x="0" y="0"/>
+          <a:chExt cx="0" cy="0"/>
+        </a:xfrm>
+      </p:grpSpPr>
+      <p:sp>
+        <p:nvSpPr>
+          <p:cNvPr id="2" name="Title 1"/>
+          <p:cNvSpPr>
+            <a:spLocks noGrp="1"/>
+          </p:cNvSpPr>
+          <p:nvPr>
+            <p:ph type="title"/>
+          </p:nvPr>
+        </p:nvSpPr>
+        <p:spPr/>
+        <p:txBody>
+          <a:bodyPr/>
+          <a:lstStyle/>
+          <a:p>
+            <a:r>
+              <a:rPr lang="nl-BE" dirty="0" smtClean="0"/>
+              <a:t>Artilium: </a:t>
+            </a:r>
+            <a:r>
+              <a:rPr lang="nl-BE" dirty="0" smtClean="0"/>
+              <a:t>Daily</a:t>
+            </a:r>
+            <a:r>
+              <a:rPr lang="nl-BE" baseline="0" dirty="0" smtClean="0"/>
+              <a:t> standup</a:t>
+            </a:r>
+            <a:endParaRPr lang="en-US" dirty="0"/>
+          </a:p>
+        </p:txBody>
+      </p:sp>
+      <p:pic>
+        <p:nvPicPr>
+          <p:cNvPr id="4" name="Content Placeholder 3" descr="scrum.jpg"/>
+          <p:cNvPicPr>
+            <a:picLocks noGrp="1" noChangeAspect="1"/>
+          </p:cNvPicPr>
+          <p:nvPr>
+            <p:ph idx="1"/>
+          </p:nvPr>
+        </p:nvPicPr>
+        <p:blipFill>
+          <a:blip r:embed="rId2"/>
+          <a:stretch>
+            <a:fillRect/>
+          </a:stretch>
+        </p:blipFill>
+        <p:spPr>
+          <a:xfrm>
+            <a:off x="1599141" y="1447800"/>
+            <a:ext cx="7171267" cy="4800600"/>
+          </a:xfrm>
+        </p:spPr>
+      </p:pic>
+    </p:spTree>
+  </p:cSld>
+  <p:clrMapOvr>
+    <a:masterClrMapping/>
+  </p:clrMapOvr>
+  <p:transition>
+    <p:fade/>
+  </p:transition>
+  <p:timing>
+    <p:tnLst>
+      <p:par>
+        <p:cTn id="1" dur="indefinite" restart="never" nodeType="tmRoot"/>
+      </p:par>
+    </p:tnLst>
+  </p:timing>
+</p:sld>
+</file>
+
+<file path=ppt/slides/slide4.xml><?xml version="1.0" encoding="utf-8"?>
 <p:sld xmlns:a="http://schemas.openxmlformats.org/drawingml/2006/main" xmlns:r="http://schemas.openxmlformats.org/officeDocument/2006/relationships" xmlns:p="http://schemas.openxmlformats.org/presentationml/2006/main">
   <p:cSld>
     <p:spTree>
@@ -10570,7 +11163,7 @@
 </p:sld>
 </file>
 
-<file path=ppt/slides/slide4.xml><?xml version="1.0" encoding="utf-8"?>
+<file path=ppt/slides/slide5.xml><?xml version="1.0" encoding="utf-8"?>
 <p:sld xmlns:a="http://schemas.openxmlformats.org/drawingml/2006/main" xmlns:r="http://schemas.openxmlformats.org/officeDocument/2006/relationships" xmlns:p="http://schemas.openxmlformats.org/presentationml/2006/main">
   <p:cSld>
     <p:spTree>
@@ -10689,7 +11282,7 @@
 </p:sld>
 </file>
 
-<file path=ppt/slides/slide5.xml><?xml version="1.0" encoding="utf-8"?>
+<file path=ppt/slides/slide6.xml><?xml version="1.0" encoding="utf-8"?>
 <p:sld xmlns:a="http://schemas.openxmlformats.org/drawingml/2006/main" xmlns:r="http://schemas.openxmlformats.org/officeDocument/2006/relationships" xmlns:p="http://schemas.openxmlformats.org/presentationml/2006/main">
   <p:cSld>
     <p:spTree>
@@ -10808,7 +11401,7 @@
 </p:sld>
 </file>
 
-<file path=ppt/slides/slide6.xml><?xml version="1.0" encoding="utf-8"?>
+<file path=ppt/slides/slide7.xml><?xml version="1.0" encoding="utf-8"?>
 <p:sld xmlns:a="http://schemas.openxmlformats.org/drawingml/2006/main" xmlns:r="http://schemas.openxmlformats.org/officeDocument/2006/relationships" xmlns:p="http://schemas.openxmlformats.org/presentationml/2006/main">
   <p:cSld>
     <p:spTree>
@@ -11072,7 +11665,7 @@
 </p:sld>
 </file>
 
-<file path=ppt/slides/slide7.xml><?xml version="1.0" encoding="utf-8"?>
+<file path=ppt/slides/slide8.xml><?xml version="1.0" encoding="utf-8"?>
 <p:sld xmlns:a="http://schemas.openxmlformats.org/drawingml/2006/main" xmlns:r="http://schemas.openxmlformats.org/officeDocument/2006/relationships" xmlns:p="http://schemas.openxmlformats.org/presentationml/2006/main">
   <p:cSld>
     <p:spTree>
@@ -11256,7 +11849,7 @@
 </p:sld>
 </file>
 
-<file path=ppt/slides/slide8.xml><?xml version="1.0" encoding="utf-8"?>
+<file path=ppt/slides/slide9.xml><?xml version="1.0" encoding="utf-8"?>
 <p:sld xmlns:a="http://schemas.openxmlformats.org/drawingml/2006/main" xmlns:r="http://schemas.openxmlformats.org/officeDocument/2006/relationships" xmlns:p="http://schemas.openxmlformats.org/presentationml/2006/main">
   <p:cSld>
     <p:spTree>
@@ -12025,359 +12618,6 @@
       <p:bldP spid="7" grpId="2" animBg="1"/>
       <p:bldP spid="9" grpId="0" animBg="1"/>
       <p:bldP spid="9" grpId="1" animBg="1"/>
-    </p:bldLst>
-  </p:timing>
-</p:sld>
-</file>
-
-<file path=ppt/slides/slide9.xml><?xml version="1.0" encoding="utf-8"?>
-<p:sld xmlns:a="http://schemas.openxmlformats.org/drawingml/2006/main" xmlns:r="http://schemas.openxmlformats.org/officeDocument/2006/relationships" xmlns:p="http://schemas.openxmlformats.org/presentationml/2006/main">
-  <p:cSld>
-    <p:spTree>
-      <p:nvGrpSpPr>
-        <p:cNvPr id="1" name=""/>
-        <p:cNvGrpSpPr/>
-        <p:nvPr/>
-      </p:nvGrpSpPr>
-      <p:grpSpPr>
-        <a:xfrm>
-          <a:off x="0" y="0"/>
-          <a:ext cx="0" cy="0"/>
-          <a:chOff x="0" y="0"/>
-          <a:chExt cx="0" cy="0"/>
-        </a:xfrm>
-      </p:grpSpPr>
-      <p:sp>
-        <p:nvSpPr>
-          <p:cNvPr id="2" name="Title 1"/>
-          <p:cNvSpPr>
-            <a:spLocks noGrp="1"/>
-          </p:cNvSpPr>
-          <p:nvPr>
-            <p:ph type="title"/>
-          </p:nvPr>
-        </p:nvSpPr>
-        <p:spPr/>
-        <p:txBody>
-          <a:bodyPr>
-            <a:normAutofit fontScale="90000"/>
-          </a:bodyPr>
-          <a:lstStyle/>
-          <a:p>
-            <a:r>
-              <a:rPr lang="nl-BE" dirty="0" smtClean="0"/>
-              <a:t>Artilium: Continuous Improvement</a:t>
-            </a:r>
-            <a:endParaRPr lang="en-US" dirty="0"/>
-          </a:p>
-        </p:txBody>
-      </p:sp>
-      <p:sp>
-        <p:nvSpPr>
-          <p:cNvPr id="3" name="Content Placeholder 2"/>
-          <p:cNvSpPr>
-            <a:spLocks noGrp="1"/>
-          </p:cNvSpPr>
-          <p:nvPr>
-            <p:ph idx="1"/>
-          </p:nvPr>
-        </p:nvSpPr>
-        <p:spPr/>
-        <p:txBody>
-          <a:bodyPr/>
-          <a:lstStyle/>
-          <a:p>
-            <a:r>
-              <a:rPr lang="nl-BE" dirty="0" smtClean="0"/>
-              <a:t>From no build to full build</a:t>
-            </a:r>
-          </a:p>
-          <a:p>
-            <a:r>
-              <a:rPr lang="nl-BE" dirty="0" smtClean="0"/>
-              <a:t>From BDUF to incremental design</a:t>
-            </a:r>
-          </a:p>
-          <a:p>
-            <a:r>
-              <a:rPr lang="nl-BE" dirty="0" smtClean="0"/>
-              <a:t>Adding tasks to the scrum board</a:t>
-            </a:r>
-          </a:p>
-          <a:p>
-            <a:r>
-              <a:rPr lang="nl-BE" dirty="0" smtClean="0"/>
-              <a:t>4 week sprints to 2 week sprints</a:t>
-            </a:r>
-          </a:p>
-        </p:txBody>
-      </p:sp>
-      <p:pic>
-        <p:nvPicPr>
-          <p:cNvPr id="3074" name="Picture 2"/>
-          <p:cNvPicPr>
-            <a:picLocks noChangeAspect="1" noChangeArrowheads="1"/>
-          </p:cNvPicPr>
-          <p:nvPr/>
-        </p:nvPicPr>
-        <p:blipFill>
-          <a:blip r:embed="rId2"/>
-          <a:srcRect/>
-          <a:stretch>
-            <a:fillRect/>
-          </a:stretch>
-        </p:blipFill>
-        <p:spPr bwMode="auto">
-          <a:xfrm>
-            <a:off x="3714744" y="3929066"/>
-            <a:ext cx="2857500" cy="2562225"/>
-          </a:xfrm>
-          <a:prstGeom prst="rect">
-            <a:avLst/>
-          </a:prstGeom>
-          <a:noFill/>
-          <a:ln w="9525">
-            <a:noFill/>
-            <a:miter lim="800000"/>
-            <a:headEnd/>
-            <a:tailEnd/>
-          </a:ln>
-          <a:effectLst/>
-        </p:spPr>
-      </p:pic>
-      <p:pic>
-        <p:nvPicPr>
-          <p:cNvPr id="3075" name="Picture 3"/>
-          <p:cNvPicPr>
-            <a:picLocks noChangeAspect="1" noChangeArrowheads="1"/>
-          </p:cNvPicPr>
-          <p:nvPr/>
-        </p:nvPicPr>
-        <p:blipFill>
-          <a:blip r:embed="rId3"/>
-          <a:srcRect b="8333"/>
-          <a:stretch>
-            <a:fillRect/>
-          </a:stretch>
-        </p:blipFill>
-        <p:spPr bwMode="auto">
-          <a:xfrm flipH="1">
-            <a:off x="3357554" y="3929066"/>
-            <a:ext cx="3740753" cy="2571768"/>
-          </a:xfrm>
-          <a:prstGeom prst="rect">
-            <a:avLst/>
-          </a:prstGeom>
-          <a:noFill/>
-          <a:ln w="9525">
-            <a:noFill/>
-            <a:miter lim="800000"/>
-            <a:headEnd/>
-            <a:tailEnd/>
-          </a:ln>
-          <a:effectLst/>
-        </p:spPr>
-      </p:pic>
-    </p:spTree>
-  </p:cSld>
-  <p:clrMapOvr>
-    <a:masterClrMapping/>
-  </p:clrMapOvr>
-  <p:transition>
-    <p:fade/>
-  </p:transition>
-  <p:timing>
-    <p:tnLst>
-      <p:par>
-        <p:cTn id="1" dur="indefinite" restart="never" nodeType="tmRoot">
-          <p:childTnLst>
-            <p:seq concurrent="1" nextAc="seek">
-              <p:cTn id="2" dur="indefinite" nodeType="mainSeq">
-                <p:childTnLst>
-                  <p:par>
-                    <p:cTn id="3" fill="hold">
-                      <p:stCondLst>
-                        <p:cond delay="indefinite"/>
-                        <p:cond evt="onBegin" delay="0">
-                          <p:tn val="2"/>
-                        </p:cond>
-                      </p:stCondLst>
-                      <p:childTnLst>
-                        <p:par>
-                          <p:cTn id="4" fill="hold">
-                            <p:stCondLst>
-                              <p:cond delay="0"/>
-                            </p:stCondLst>
-                            <p:childTnLst>
-                              <p:par>
-                                <p:cTn id="5" presetID="10" presetClass="entr" presetSubtype="0" fill="hold" grpId="0" nodeType="afterEffect">
-                                  <p:stCondLst>
-                                    <p:cond delay="0"/>
-                                  </p:stCondLst>
-                                  <p:childTnLst>
-                                    <p:set>
-                                      <p:cBhvr>
-                                        <p:cTn id="6" dur="1" fill="hold">
-                                          <p:stCondLst>
-                                            <p:cond delay="0"/>
-                                          </p:stCondLst>
-                                        </p:cTn>
-                                        <p:tgtEl>
-                                          <p:spTgt spid="3">
-                                            <p:txEl>
-                                              <p:pRg st="3" end="3"/>
-                                            </p:txEl>
-                                          </p:spTgt>
-                                        </p:tgtEl>
-                                        <p:attrNameLst>
-                                          <p:attrName>style.visibility</p:attrName>
-                                        </p:attrNameLst>
-                                      </p:cBhvr>
-                                      <p:to>
-                                        <p:strVal val="visible"/>
-                                      </p:to>
-                                    </p:set>
-                                    <p:animEffect transition="in" filter="fade">
-                                      <p:cBhvr>
-                                        <p:cTn id="7" dur="1000"/>
-                                        <p:tgtEl>
-                                          <p:spTgt spid="3">
-                                            <p:txEl>
-                                              <p:pRg st="3" end="3"/>
-                                            </p:txEl>
-                                          </p:spTgt>
-                                        </p:tgtEl>
-                                      </p:cBhvr>
-                                    </p:animEffect>
-                                  </p:childTnLst>
-                                </p:cTn>
-                              </p:par>
-                            </p:childTnLst>
-                          </p:cTn>
-                        </p:par>
-                        <p:par>
-                          <p:cTn id="8" fill="hold">
-                            <p:stCondLst>
-                              <p:cond delay="1000"/>
-                            </p:stCondLst>
-                            <p:childTnLst>
-                              <p:par>
-                                <p:cTn id="9" presetID="10" presetClass="entr" presetSubtype="0" fill="hold" nodeType="afterEffect">
-                                  <p:stCondLst>
-                                    <p:cond delay="0"/>
-                                  </p:stCondLst>
-                                  <p:childTnLst>
-                                    <p:set>
-                                      <p:cBhvr>
-                                        <p:cTn id="10" dur="1" fill="hold">
-                                          <p:stCondLst>
-                                            <p:cond delay="0"/>
-                                          </p:stCondLst>
-                                        </p:cTn>
-                                        <p:tgtEl>
-                                          <p:spTgt spid="3074"/>
-                                        </p:tgtEl>
-                                        <p:attrNameLst>
-                                          <p:attrName>style.visibility</p:attrName>
-                                        </p:attrNameLst>
-                                      </p:cBhvr>
-                                      <p:to>
-                                        <p:strVal val="visible"/>
-                                      </p:to>
-                                    </p:set>
-                                    <p:animEffect transition="in" filter="fade">
-                                      <p:cBhvr>
-                                        <p:cTn id="11" dur="2000"/>
-                                        <p:tgtEl>
-                                          <p:spTgt spid="3074"/>
-                                        </p:tgtEl>
-                                      </p:cBhvr>
-                                    </p:animEffect>
-                                  </p:childTnLst>
-                                </p:cTn>
-                              </p:par>
-                            </p:childTnLst>
-                          </p:cTn>
-                        </p:par>
-                      </p:childTnLst>
-                    </p:cTn>
-                  </p:par>
-                  <p:par>
-                    <p:cTn id="12" fill="hold">
-                      <p:stCondLst>
-                        <p:cond delay="indefinite"/>
-                      </p:stCondLst>
-                      <p:childTnLst>
-                        <p:par>
-                          <p:cTn id="13" fill="hold">
-                            <p:stCondLst>
-                              <p:cond delay="0"/>
-                            </p:stCondLst>
-                            <p:childTnLst>
-                              <p:par>
-                                <p:cTn id="14" presetID="10" presetClass="entr" presetSubtype="0" fill="hold" nodeType="clickEffect">
-                                  <p:stCondLst>
-                                    <p:cond delay="0"/>
-                                  </p:stCondLst>
-                                  <p:childTnLst>
-                                    <p:set>
-                                      <p:cBhvr>
-                                        <p:cTn id="15" dur="1" fill="hold">
-                                          <p:stCondLst>
-                                            <p:cond delay="0"/>
-                                          </p:stCondLst>
-                                        </p:cTn>
-                                        <p:tgtEl>
-                                          <p:spTgt spid="3075"/>
-                                        </p:tgtEl>
-                                        <p:attrNameLst>
-                                          <p:attrName>style.visibility</p:attrName>
-                                        </p:attrNameLst>
-                                      </p:cBhvr>
-                                      <p:to>
-                                        <p:strVal val="visible"/>
-                                      </p:to>
-                                    </p:set>
-                                    <p:animEffect transition="in" filter="fade">
-                                      <p:cBhvr>
-                                        <p:cTn id="16" dur="2000"/>
-                                        <p:tgtEl>
-                                          <p:spTgt spid="3075"/>
-                                        </p:tgtEl>
-                                      </p:cBhvr>
-                                    </p:animEffect>
-                                  </p:childTnLst>
-                                </p:cTn>
-                              </p:par>
-                            </p:childTnLst>
-                          </p:cTn>
-                        </p:par>
-                      </p:childTnLst>
-                    </p:cTn>
-                  </p:par>
-                </p:childTnLst>
-              </p:cTn>
-              <p:prevCondLst>
-                <p:cond evt="onPrev" delay="0">
-                  <p:tgtEl>
-                    <p:sldTgt/>
-                  </p:tgtEl>
-                </p:cond>
-              </p:prevCondLst>
-              <p:nextCondLst>
-                <p:cond evt="onNext" delay="0">
-                  <p:tgtEl>
-                    <p:sldTgt/>
-                  </p:tgtEl>
-                </p:cond>
-              </p:nextCondLst>
-            </p:seq>
-          </p:childTnLst>
-        </p:cTn>
-      </p:par>
-    </p:tnLst>
-    <p:bldLst>
-      <p:bldP spid="3" grpId="0" build="p"/>
     </p:bldLst>
   </p:timing>
 </p:sld>
